--- a/第四章  决策树.pptx
+++ b/第四章  决策树.pptx
@@ -5,10 +5,10 @@
     <p:sldMasterId id="2147483648" r:id="rId1"/>
   </p:sldMasterIdLst>
   <p:notesMasterIdLst>
-    <p:notesMasterId r:id="rId21"/>
+    <p:notesMasterId r:id="rId22"/>
   </p:notesMasterIdLst>
   <p:handoutMasterIdLst>
-    <p:handoutMasterId r:id="rId22"/>
+    <p:handoutMasterId r:id="rId23"/>
   </p:handoutMasterIdLst>
   <p:sldIdLst>
     <p:sldId id="256" r:id="rId2"/>
@@ -29,7 +29,8 @@
     <p:sldId id="523" r:id="rId17"/>
     <p:sldId id="524" r:id="rId18"/>
     <p:sldId id="525" r:id="rId19"/>
-    <p:sldId id="259" r:id="rId20"/>
+    <p:sldId id="1316" r:id="rId20"/>
+    <p:sldId id="259" r:id="rId21"/>
   </p:sldIdLst>
   <p:sldSz cx="12192000" cy="6858000"/>
   <p:notesSz cx="6858000" cy="9144000"/>
@@ -241,7 +242,7 @@
           <a:p>
             <a:fld id="{0F9B84EA-7D68-4D60-9CB1-D50884785D1C}" type="datetimeFigureOut">
               <a:rPr lang="zh-CN" altLang="en-US" smtClean="0"/>
-              <a:t>2021/8/15</a:t>
+              <a:t>2021/8/21</a:t>
             </a:fld>
             <a:endParaRPr lang="zh-CN" altLang="en-US"/>
           </a:p>
@@ -406,7 +407,7 @@
           <a:p>
             <a:fld id="{C653CE73-D578-4015-BF82-0F1E2A2C7430}" type="datetimeFigureOut">
               <a:rPr lang="zh-CN" altLang="en-US" smtClean="0"/>
-              <a:t>2021/8/15</a:t>
+              <a:t>2021/8/21</a:t>
             </a:fld>
             <a:endParaRPr lang="zh-CN" altLang="en-US"/>
           </a:p>
@@ -962,7 +963,7 @@
             </a:pPr>
             <a:fld id="{4B5EC891-C588-48A9-9809-20BDC72C834A}" type="datetime1">
               <a:rPr lang="zh-CN" altLang="en-US"/>
-              <a:t>2021/8/15</a:t>
+              <a:t>2021/8/21</a:t>
             </a:fld>
             <a:endParaRPr lang="en-US" altLang="zh-CN"/>
           </a:p>
@@ -1172,7 +1173,7 @@
             </a:pPr>
             <a:fld id="{A7BA4DB3-631B-49FE-8229-1964CE768A64}" type="datetime1">
               <a:rPr lang="zh-CN" altLang="en-US"/>
-              <a:t>2021/8/15</a:t>
+              <a:t>2021/8/21</a:t>
             </a:fld>
             <a:endParaRPr lang="en-US" altLang="zh-CN"/>
           </a:p>
@@ -1343,7 +1344,7 @@
             </a:pPr>
             <a:fld id="{BF6D614A-A430-4242-BC59-F98E938320BE}" type="datetime1">
               <a:rPr lang="zh-CN" altLang="en-US"/>
-              <a:t>2021/8/15</a:t>
+              <a:t>2021/8/21</a:t>
             </a:fld>
             <a:endParaRPr lang="en-US" altLang="zh-CN"/>
           </a:p>
@@ -1573,7 +1574,7 @@
             </a:pPr>
             <a:fld id="{2BB01A15-FC55-4777-8BAB-6AEF3956518A}" type="datetime1">
               <a:rPr lang="zh-CN" altLang="en-US"/>
-              <a:t>2021/8/15</a:t>
+              <a:t>2021/8/21</a:t>
             </a:fld>
             <a:endParaRPr lang="en-US" altLang="zh-CN"/>
           </a:p>
@@ -1899,7 +1900,7 @@
             </a:pPr>
             <a:fld id="{F00835FB-E2B9-4A21-8474-C8CF32BAACC3}" type="datetime1">
               <a:rPr lang="zh-CN" altLang="en-US"/>
-              <a:t>2021/8/15</a:t>
+              <a:t>2021/8/21</a:t>
             </a:fld>
             <a:endParaRPr lang="en-US" altLang="zh-CN"/>
           </a:p>
@@ -2247,7 +2248,7 @@
             </a:pPr>
             <a:fld id="{AA59263C-BD72-482C-8D78-95CADB537257}" type="datetime1">
               <a:rPr lang="zh-CN" altLang="en-US"/>
-              <a:t>2021/8/15</a:t>
+              <a:t>2021/8/21</a:t>
             </a:fld>
             <a:endParaRPr lang="en-US" altLang="zh-CN"/>
           </a:p>
@@ -2395,7 +2396,7 @@
           <a:p>
             <a:fld id="{345929FE-6AC2-8840-BAEC-98877422E83C}" type="datetimeFigureOut">
               <a:rPr lang="en-US" smtClean="0"/>
-              <a:t>8/15/2021</a:t>
+              <a:t>8/21/2021</a:t>
             </a:fld>
             <a:endParaRPr lang="en-US"/>
           </a:p>
@@ -2502,7 +2503,7 @@
             </a:pPr>
             <a:fld id="{475F2974-A565-48EB-BE06-0BED6BD5DC9C}" type="datetime1">
               <a:rPr lang="zh-CN" altLang="en-US"/>
-              <a:t>2021/8/15</a:t>
+              <a:t>2021/8/21</a:t>
             </a:fld>
             <a:endParaRPr lang="en-US" altLang="zh-CN" dirty="0"/>
           </a:p>
@@ -2686,7 +2687,7 @@
             </a:pPr>
             <a:fld id="{9B221B53-B291-46CE-877E-FAA38E6ADDA6}" type="datetime1">
               <a:rPr lang="zh-CN" altLang="en-US"/>
-              <a:t>2021/8/15</a:t>
+              <a:t>2021/8/21</a:t>
             </a:fld>
             <a:endParaRPr lang="en-US" altLang="zh-CN"/>
           </a:p>
@@ -2972,7 +2973,7 @@
             </a:pPr>
             <a:fld id="{9A989423-4571-428E-9D57-3E386FFA017D}" type="datetime1">
               <a:rPr lang="zh-CN" altLang="en-US"/>
-              <a:t>2021/8/15</a:t>
+              <a:t>2021/8/21</a:t>
             </a:fld>
             <a:endParaRPr lang="en-US" altLang="zh-CN"/>
           </a:p>
@@ -3398,7 +3399,7 @@
             </a:pPr>
             <a:fld id="{3E32E941-4A46-4A72-917D-2159BC3588D0}" type="datetime1">
               <a:rPr lang="zh-CN" altLang="en-US"/>
-              <a:t>2021/8/15</a:t>
+              <a:t>2021/8/21</a:t>
             </a:fld>
             <a:endParaRPr lang="en-US" altLang="zh-CN"/>
           </a:p>
@@ -3510,7 +3511,7 @@
             </a:pPr>
             <a:fld id="{BFEE6F7D-3919-4651-8CA4-7B751C71BA14}" type="datetime1">
               <a:rPr lang="zh-CN" altLang="en-US"/>
-              <a:t>2021/8/15</a:t>
+              <a:t>2021/8/21</a:t>
             </a:fld>
             <a:endParaRPr lang="en-US" altLang="zh-CN"/>
           </a:p>
@@ -3592,7 +3593,7 @@
             </a:pPr>
             <a:fld id="{D1D84859-B760-4F0E-8732-51E216755E22}" type="datetime1">
               <a:rPr lang="zh-CN" altLang="en-US"/>
-              <a:t>2021/8/15</a:t>
+              <a:t>2021/8/21</a:t>
             </a:fld>
             <a:endParaRPr lang="en-US" altLang="zh-CN"/>
           </a:p>
@@ -3863,7 +3864,7 @@
             </a:pPr>
             <a:fld id="{B4978F59-7BED-4A97-80A4-85D24B87C6E9}" type="datetime1">
               <a:rPr lang="zh-CN" altLang="en-US"/>
-              <a:t>2021/8/15</a:t>
+              <a:t>2021/8/21</a:t>
             </a:fld>
             <a:endParaRPr lang="en-US" altLang="zh-CN"/>
           </a:p>
@@ -4115,7 +4116,7 @@
             </a:pPr>
             <a:fld id="{AD512F44-2064-45D4-8A26-9A2D7B999F44}" type="datetime1">
               <a:rPr lang="zh-CN" altLang="en-US"/>
-              <a:t>2021/8/15</a:t>
+              <a:t>2021/8/21</a:t>
             </a:fld>
             <a:endParaRPr lang="en-US" altLang="zh-CN"/>
           </a:p>
@@ -4352,7 +4353,7 @@
             </a:pPr>
             <a:fld id="{EEBE79F2-9FE6-4B99-A8D9-05ADE8088E5F}" type="datetime1">
               <a:rPr lang="zh-CN" altLang="en-US"/>
-              <a:t>2021/8/15</a:t>
+              <a:t>2021/8/21</a:t>
             </a:fld>
             <a:endParaRPr lang="en-US" altLang="zh-CN" dirty="0"/>
           </a:p>
@@ -5042,7 +5043,7 @@
             </a:pPr>
             <a:fld id="{4B5EC891-C588-48A9-9809-20BDC72C834A}" type="datetime1">
               <a:rPr lang="zh-CN" altLang="en-US" smtClean="0"/>
-              <a:t>2021/8/15</a:t>
+              <a:t>2021/8/21</a:t>
             </a:fld>
             <a:endParaRPr lang="en-US" altLang="zh-CN" dirty="0"/>
           </a:p>
@@ -5173,7 +5174,7 @@
             </a:pPr>
             <a:fld id="{475F2974-A565-48EB-BE06-0BED6BD5DC9C}" type="datetime1">
               <a:rPr lang="zh-CN" altLang="en-US" smtClean="0"/>
-              <a:t>2021/8/15</a:t>
+              <a:t>2021/8/21</a:t>
             </a:fld>
             <a:endParaRPr lang="en-US" altLang="zh-CN" dirty="0"/>
           </a:p>
@@ -5518,7 +5519,7 @@
             </a:pPr>
             <a:fld id="{475F2974-A565-48EB-BE06-0BED6BD5DC9C}" type="datetime1">
               <a:rPr lang="zh-CN" altLang="en-US" smtClean="0"/>
-              <a:t>2021/8/15</a:t>
+              <a:t>2021/8/21</a:t>
             </a:fld>
             <a:endParaRPr lang="en-US" altLang="zh-CN" dirty="0"/>
           </a:p>
@@ -6768,7 +6769,7 @@
             </a:pPr>
             <a:fld id="{475F2974-A565-48EB-BE06-0BED6BD5DC9C}" type="datetime1">
               <a:rPr lang="zh-CN" altLang="en-US" smtClean="0"/>
-              <a:t>2021/8/15</a:t>
+              <a:t>2021/8/21</a:t>
             </a:fld>
             <a:endParaRPr lang="en-US" altLang="zh-CN" dirty="0"/>
           </a:p>
@@ -8012,7 +8013,7 @@
             </a:pPr>
             <a:fld id="{475F2974-A565-48EB-BE06-0BED6BD5DC9C}" type="datetime1">
               <a:rPr lang="zh-CN" altLang="en-US" smtClean="0"/>
-              <a:t>2021/8/15</a:t>
+              <a:t>2021/8/21</a:t>
             </a:fld>
             <a:endParaRPr lang="en-US" altLang="zh-CN" dirty="0"/>
           </a:p>
@@ -8969,7 +8970,7 @@
             </a:pPr>
             <a:fld id="{475F2974-A565-48EB-BE06-0BED6BD5DC9C}" type="datetime1">
               <a:rPr lang="zh-CN" altLang="en-US" smtClean="0"/>
-              <a:t>2021/8/15</a:t>
+              <a:t>2021/8/21</a:t>
             </a:fld>
             <a:endParaRPr lang="en-US" altLang="zh-CN" dirty="0"/>
           </a:p>
@@ -9837,7 +9838,7 @@
             </a:pPr>
             <a:fld id="{475F2974-A565-48EB-BE06-0BED6BD5DC9C}" type="datetime1">
               <a:rPr lang="zh-CN" altLang="en-US" smtClean="0"/>
-              <a:t>2021/8/15</a:t>
+              <a:t>2021/8/21</a:t>
             </a:fld>
             <a:endParaRPr lang="en-US" altLang="zh-CN" dirty="0"/>
           </a:p>
@@ -10304,7 +10305,7 @@
             </a:pPr>
             <a:fld id="{475F2974-A565-48EB-BE06-0BED6BD5DC9C}" type="datetime1">
               <a:rPr lang="zh-CN" altLang="en-US" smtClean="0"/>
-              <a:t>2021/8/15</a:t>
+              <a:t>2021/8/21</a:t>
             </a:fld>
             <a:endParaRPr lang="en-US" altLang="zh-CN" dirty="0"/>
           </a:p>
@@ -10521,7 +10522,7 @@
             </a:pPr>
             <a:fld id="{475F2974-A565-48EB-BE06-0BED6BD5DC9C}" type="datetime1">
               <a:rPr lang="zh-CN" altLang="en-US" smtClean="0"/>
-              <a:t>2021/8/15</a:t>
+              <a:t>2021/8/21</a:t>
             </a:fld>
             <a:endParaRPr lang="en-US" altLang="zh-CN" dirty="0"/>
           </a:p>
@@ -10738,7 +10739,7 @@
             </a:pPr>
             <a:fld id="{475F2974-A565-48EB-BE06-0BED6BD5DC9C}" type="datetime1">
               <a:rPr lang="zh-CN" altLang="en-US" smtClean="0"/>
-              <a:t>2021/8/15</a:t>
+              <a:t>2021/8/21</a:t>
             </a:fld>
             <a:endParaRPr lang="en-US" altLang="zh-CN" dirty="0"/>
           </a:p>
@@ -10895,7 +10896,13 @@
       </p:grpSpPr>
       <p:sp>
         <p:nvSpPr>
-          <p:cNvPr id="2" name="日期占位符 1"/>
+          <p:cNvPr id="2" name="日期占位符 1">
+            <a:extLst>
+              <a:ext uri="{FF2B5EF4-FFF2-40B4-BE49-F238E27FC236}">
+                <a16:creationId xmlns:a16="http://schemas.microsoft.com/office/drawing/2014/main" id="{E0B2FC96-27AF-4806-B5F4-290A313AAC13}"/>
+              </a:ext>
+            </a:extLst>
+          </p:cNvPr>
           <p:cNvSpPr>
             <a:spLocks noGrp="1"/>
           </p:cNvSpPr>
@@ -10913,7 +10920,7 @@
             </a:pPr>
             <a:fld id="{475F2974-A565-48EB-BE06-0BED6BD5DC9C}" type="datetime1">
               <a:rPr lang="zh-CN" altLang="en-US" smtClean="0"/>
-              <a:t>2021/8/15</a:t>
+              <a:t>2021/8/21</a:t>
             </a:fld>
             <a:endParaRPr lang="en-US" altLang="zh-CN" dirty="0"/>
           </a:p>
@@ -10921,7 +10928,13 @@
       </p:sp>
       <p:sp>
         <p:nvSpPr>
-          <p:cNvPr id="3" name="灯片编号占位符 2"/>
+          <p:cNvPr id="3" name="灯片编号占位符 2">
+            <a:extLst>
+              <a:ext uri="{FF2B5EF4-FFF2-40B4-BE49-F238E27FC236}">
+                <a16:creationId xmlns:a16="http://schemas.microsoft.com/office/drawing/2014/main" id="{07C0FFCF-0222-4A25-8529-2D19CF890631}"/>
+              </a:ext>
+            </a:extLst>
+          </p:cNvPr>
           <p:cNvSpPr>
             <a:spLocks noGrp="1"/>
           </p:cNvSpPr>
@@ -10944,188 +10957,197 @@
       </p:sp>
       <p:sp>
         <p:nvSpPr>
-          <p:cNvPr id="4" name="Rectangle 4"/>
-          <p:cNvSpPr>
-            <a:spLocks noChangeArrowheads="1"/>
-          </p:cNvSpPr>
+          <p:cNvPr id="6" name="文本框 5">
+            <a:extLst>
+              <a:ext uri="{FF2B5EF4-FFF2-40B4-BE49-F238E27FC236}">
+                <a16:creationId xmlns:a16="http://schemas.microsoft.com/office/drawing/2014/main" id="{CA05DE8E-CE21-4971-A046-BD678A6FFAB4}"/>
+              </a:ext>
+            </a:extLst>
+          </p:cNvPr>
+          <p:cNvSpPr txBox="1"/>
           <p:nvPr/>
         </p:nvSpPr>
-        <p:spPr bwMode="auto">
+        <p:spPr>
           <a:xfrm>
-            <a:off x="3949519" y="3033479"/>
-            <a:ext cx="4549775" cy="711200"/>
+            <a:off x="1118645" y="1792933"/>
+            <a:ext cx="8868922" cy="1384995"/>
           </a:xfrm>
           <a:prstGeom prst="rect">
             <a:avLst/>
           </a:prstGeom>
           <a:noFill/>
-          <a:ln>
-            <a:noFill/>
-          </a:ln>
-          <a:extLst>
-            <a:ext uri="{909E8E84-426E-40DD-AFC4-6F175D3DCCD1}">
-              <a14:hiddenFill xmlns:a14="http://schemas.microsoft.com/office/drawing/2010/main">
-                <a:solidFill>
-                  <a:srgbClr val="FFFFFF"/>
-                </a:solidFill>
-              </a14:hiddenFill>
-            </a:ext>
-            <a:ext uri="{91240B29-F687-4F45-9708-019B960494DF}">
-              <a14:hiddenLine xmlns:a14="http://schemas.microsoft.com/office/drawing/2010/main" w="9525">
-                <a:solidFill>
-                  <a:srgbClr val="000000"/>
-                </a:solidFill>
-                <a:miter lim="800000"/>
-                <a:headEnd/>
-                <a:tailEnd/>
-              </a14:hiddenLine>
-            </a:ext>
-          </a:extLst>
         </p:spPr>
         <p:txBody>
-          <a:bodyPr/>
-          <a:lstStyle>
-            <a:lvl1pPr marL="469900" indent="-469900" eaLnBrk="0" hangingPunct="0">
-              <a:defRPr sz="4800" b="1">
-                <a:solidFill>
-                  <a:schemeClr val="tx2"/>
-                </a:solidFill>
-                <a:latin typeface="Verdana" panose="020B0604030504040204" pitchFamily="34" charset="0"/>
-                <a:ea typeface="方正隶书简体" pitchFamily="65" charset="-122"/>
-              </a:defRPr>
-            </a:lvl1pPr>
-            <a:lvl2pPr marL="742950" indent="-285750" eaLnBrk="0" hangingPunct="0">
-              <a:defRPr sz="4800" b="1">
-                <a:solidFill>
-                  <a:schemeClr val="tx2"/>
-                </a:solidFill>
-                <a:latin typeface="Verdana" panose="020B0604030504040204" pitchFamily="34" charset="0"/>
-                <a:ea typeface="方正隶书简体" pitchFamily="65" charset="-122"/>
-              </a:defRPr>
-            </a:lvl2pPr>
-            <a:lvl3pPr marL="1143000" indent="-228600" eaLnBrk="0" hangingPunct="0">
-              <a:defRPr sz="4800" b="1">
-                <a:solidFill>
-                  <a:schemeClr val="tx2"/>
-                </a:solidFill>
-                <a:latin typeface="Verdana" panose="020B0604030504040204" pitchFamily="34" charset="0"/>
-                <a:ea typeface="方正隶书简体" pitchFamily="65" charset="-122"/>
-              </a:defRPr>
-            </a:lvl3pPr>
-            <a:lvl4pPr marL="1600200" indent="-228600" eaLnBrk="0" hangingPunct="0">
-              <a:defRPr sz="4800" b="1">
-                <a:solidFill>
-                  <a:schemeClr val="tx2"/>
-                </a:solidFill>
-                <a:latin typeface="Verdana" panose="020B0604030504040204" pitchFamily="34" charset="0"/>
-                <a:ea typeface="方正隶书简体" pitchFamily="65" charset="-122"/>
-              </a:defRPr>
-            </a:lvl4pPr>
-            <a:lvl5pPr marL="2057400" indent="-228600" eaLnBrk="0" hangingPunct="0">
-              <a:defRPr sz="4800" b="1">
-                <a:solidFill>
-                  <a:schemeClr val="tx2"/>
-                </a:solidFill>
-                <a:latin typeface="Verdana" panose="020B0604030504040204" pitchFamily="34" charset="0"/>
-                <a:ea typeface="方正隶书简体" pitchFamily="65" charset="-122"/>
-              </a:defRPr>
-            </a:lvl5pPr>
-            <a:lvl6pPr marL="2514600" indent="-228600" algn="ctr" eaLnBrk="0" fontAlgn="base" hangingPunct="0">
-              <a:spcBef>
-                <a:spcPct val="0"/>
-              </a:spcBef>
-              <a:spcAft>
-                <a:spcPct val="0"/>
-              </a:spcAft>
-              <a:defRPr sz="4800" b="1">
-                <a:solidFill>
-                  <a:schemeClr val="tx2"/>
-                </a:solidFill>
-                <a:latin typeface="Verdana" panose="020B0604030504040204" pitchFamily="34" charset="0"/>
-                <a:ea typeface="方正隶书简体" pitchFamily="65" charset="-122"/>
-              </a:defRPr>
-            </a:lvl6pPr>
-            <a:lvl7pPr marL="2971800" indent="-228600" algn="ctr" eaLnBrk="0" fontAlgn="base" hangingPunct="0">
-              <a:spcBef>
-                <a:spcPct val="0"/>
-              </a:spcBef>
-              <a:spcAft>
-                <a:spcPct val="0"/>
-              </a:spcAft>
-              <a:defRPr sz="4800" b="1">
-                <a:solidFill>
-                  <a:schemeClr val="tx2"/>
-                </a:solidFill>
-                <a:latin typeface="Verdana" panose="020B0604030504040204" pitchFamily="34" charset="0"/>
-                <a:ea typeface="方正隶书简体" pitchFamily="65" charset="-122"/>
-              </a:defRPr>
-            </a:lvl7pPr>
-            <a:lvl8pPr marL="3429000" indent="-228600" algn="ctr" eaLnBrk="0" fontAlgn="base" hangingPunct="0">
-              <a:spcBef>
-                <a:spcPct val="0"/>
-              </a:spcBef>
-              <a:spcAft>
-                <a:spcPct val="0"/>
-              </a:spcAft>
-              <a:defRPr sz="4800" b="1">
-                <a:solidFill>
-                  <a:schemeClr val="tx2"/>
-                </a:solidFill>
-                <a:latin typeface="Verdana" panose="020B0604030504040204" pitchFamily="34" charset="0"/>
-                <a:ea typeface="方正隶书简体" pitchFamily="65" charset="-122"/>
-              </a:defRPr>
-            </a:lvl8pPr>
-            <a:lvl9pPr marL="3886200" indent="-228600" algn="ctr" eaLnBrk="0" fontAlgn="base" hangingPunct="0">
-              <a:spcBef>
-                <a:spcPct val="0"/>
-              </a:spcBef>
-              <a:spcAft>
-                <a:spcPct val="0"/>
-              </a:spcAft>
-              <a:defRPr sz="4800" b="1">
-                <a:solidFill>
-                  <a:schemeClr val="tx2"/>
-                </a:solidFill>
-                <a:latin typeface="Verdana" panose="020B0604030504040204" pitchFamily="34" charset="0"/>
-                <a:ea typeface="方正隶书简体" pitchFamily="65" charset="-122"/>
-              </a:defRPr>
-            </a:lvl9pPr>
-          </a:lstStyle>
-          <a:p>
-            <a:pPr algn="ctr" eaLnBrk="1" hangingPunct="1">
-              <a:lnSpc>
-                <a:spcPct val="90000"/>
-              </a:lnSpc>
-              <a:spcBef>
-                <a:spcPct val="20000"/>
-              </a:spcBef>
-              <a:buClr>
-                <a:schemeClr val="hlink"/>
-              </a:buClr>
-              <a:buFont typeface="Wingdings" panose="05000000000000000000" pitchFamily="2" charset="2"/>
-              <a:buNone/>
-            </a:pPr>
-            <a:r>
-              <a:rPr lang="zh-CN" altLang="en-US" sz="4000" dirty="0">
-                <a:solidFill>
-                  <a:schemeClr val="tx1"/>
+          <a:bodyPr wrap="square" rtlCol="0">
+            <a:spAutoFit/>
+          </a:bodyPr>
+          <a:lstStyle/>
+          <a:p>
+            <a:r>
+              <a:rPr lang="zh-CN" altLang="en-US" sz="2400" b="1" dirty="0"/>
+              <a:t>题目：用决策树模型完成收入分类问题。</a:t>
+            </a:r>
+            <a:endParaRPr lang="en-US" altLang="zh-CN" sz="2400" b="1" dirty="0"/>
+          </a:p>
+          <a:p>
+            <a:r>
+              <a:rPr lang="zh-CN" altLang="en-US" dirty="0"/>
+              <a:t>          </a:t>
+            </a:r>
+            <a:r>
+              <a:rPr lang="en-US" altLang="zh-CN" sz="2000" dirty="0"/>
+              <a:t>1.  </a:t>
+            </a:r>
+            <a:r>
+              <a:rPr lang="zh-CN" altLang="en-US" sz="2000" dirty="0"/>
+              <a:t>对数据进行分类；</a:t>
+            </a:r>
+            <a:endParaRPr lang="en-US" altLang="zh-CN" sz="2000" dirty="0"/>
+          </a:p>
+          <a:p>
+            <a:r>
+              <a:rPr lang="en-US" altLang="zh-CN" sz="2000" dirty="0"/>
+              <a:t>         2.  </a:t>
+            </a:r>
+            <a:r>
+              <a:rPr lang="zh-CN" altLang="en-US" sz="2000" dirty="0"/>
+              <a:t>使用</a:t>
+            </a:r>
+            <a:r>
+              <a:rPr lang="en-US" altLang="zh-CN" sz="2000" dirty="0" err="1"/>
+              <a:t>pydotplus</a:t>
+            </a:r>
+            <a:r>
+              <a:rPr lang="zh-CN" altLang="en-US" sz="2000" dirty="0"/>
+              <a:t>和</a:t>
+            </a:r>
+            <a:r>
+              <a:rPr lang="en-US" altLang="zh-CN" sz="2000" dirty="0" err="1"/>
+              <a:t>IPython.display</a:t>
+            </a:r>
+            <a:r>
+              <a:rPr lang="zh-CN" altLang="en-US" sz="2000" dirty="0"/>
+              <a:t>可视化这颗决策树。</a:t>
+            </a:r>
+            <a:endParaRPr lang="en-US" altLang="zh-CN" sz="2000" dirty="0"/>
+          </a:p>
+          <a:p>
+            <a:r>
+              <a:rPr lang="en-US" altLang="zh-CN" sz="2000" dirty="0"/>
+              <a:t>         3.  </a:t>
+            </a:r>
+            <a:r>
+              <a:rPr lang="zh-CN" altLang="en-US" sz="2000" dirty="0"/>
+              <a:t>如果调整收入这个参数，决策树会怎么变化，为什么？</a:t>
+            </a:r>
+          </a:p>
+        </p:txBody>
+      </p:sp>
+      <p:sp>
+        <p:nvSpPr>
+          <p:cNvPr id="7" name="矩形 6">
+            <a:extLst>
+              <a:ext uri="{FF2B5EF4-FFF2-40B4-BE49-F238E27FC236}">
+                <a16:creationId xmlns:a16="http://schemas.microsoft.com/office/drawing/2014/main" id="{C700409D-1314-4CF2-ADBB-391FCE0BFC32}"/>
+              </a:ext>
+            </a:extLst>
+          </p:cNvPr>
+          <p:cNvSpPr/>
+          <p:nvPr/>
+        </p:nvSpPr>
+        <p:spPr>
+          <a:xfrm>
+            <a:off x="630768" y="356000"/>
+            <a:ext cx="3840748" cy="523220"/>
+          </a:xfrm>
+          <a:prstGeom prst="rect">
+            <a:avLst/>
+          </a:prstGeom>
+        </p:spPr>
+        <p:txBody>
+          <a:bodyPr wrap="square">
+            <a:spAutoFit/>
+          </a:bodyPr>
+          <a:lstStyle/>
+          <a:p>
+            <a:pPr>
+              <a:defRPr/>
+            </a:pPr>
+            <a:r>
+              <a:rPr lang="zh-CN" altLang="en-US" sz="2800" b="1" dirty="0">
+                <a:solidFill>
+                  <a:srgbClr val="000000"/>
                 </a:solidFill>
                 <a:latin typeface="华文楷体" panose="02010600040101010101" pitchFamily="2" charset="-122"/>
                 <a:ea typeface="华文楷体" panose="02010600040101010101" pitchFamily="2" charset="-122"/>
-              </a:rPr>
-              <a:t>本章结束</a:t>
-            </a:r>
-            <a:endParaRPr lang="en-US" altLang="zh-CN" sz="2800" dirty="0">
+                <a:cs typeface="+mn-ea"/>
+              </a:rPr>
+              <a:t>作业</a:t>
+            </a:r>
+            <a:r>
+              <a:rPr lang="en-US" altLang="zh-CN" sz="2800" b="1" dirty="0">
+                <a:solidFill>
+                  <a:srgbClr val="000000"/>
+                </a:solidFill>
+                <a:latin typeface="华文楷体" panose="02010600040101010101" pitchFamily="2" charset="-122"/>
+                <a:ea typeface="华文楷体" panose="02010600040101010101" pitchFamily="2" charset="-122"/>
+                <a:cs typeface="+mn-ea"/>
+              </a:rPr>
+              <a:t>2</a:t>
+            </a:r>
+            <a:endParaRPr lang="zh-CN" altLang="en-US" sz="2800" b="1" dirty="0">
               <a:solidFill>
-                <a:schemeClr val="tx1"/>
+                <a:srgbClr val="000000"/>
               </a:solidFill>
               <a:latin typeface="华文楷体" panose="02010600040101010101" pitchFamily="2" charset="-122"/>
               <a:ea typeface="华文楷体" panose="02010600040101010101" pitchFamily="2" charset="-122"/>
+              <a:cs typeface="+mn-ea"/>
             </a:endParaRPr>
           </a:p>
         </p:txBody>
       </p:sp>
+      <p:pic>
+        <p:nvPicPr>
+          <p:cNvPr id="5" name="图片 4">
+            <a:extLst>
+              <a:ext uri="{FF2B5EF4-FFF2-40B4-BE49-F238E27FC236}">
+                <a16:creationId xmlns:a16="http://schemas.microsoft.com/office/drawing/2014/main" id="{F486F274-B393-4E19-9495-3A18867A120E}"/>
+              </a:ext>
+            </a:extLst>
+          </p:cNvPr>
+          <p:cNvPicPr>
+            <a:picLocks noChangeAspect="1"/>
+          </p:cNvPicPr>
+          <p:nvPr/>
+        </p:nvPicPr>
+        <p:blipFill>
+          <a:blip r:embed="rId2" cstate="print">
+            <a:extLst>
+              <a:ext uri="{28A0092B-C50C-407E-A947-70E740481C1C}">
+                <a14:useLocalDpi xmlns:a14="http://schemas.microsoft.com/office/drawing/2010/main" val="0"/>
+              </a:ext>
+            </a:extLst>
+          </a:blip>
+          <a:stretch>
+            <a:fillRect/>
+          </a:stretch>
+        </p:blipFill>
+        <p:spPr>
+          <a:xfrm>
+            <a:off x="384314" y="3693984"/>
+            <a:ext cx="11304104" cy="2603235"/>
+          </a:xfrm>
+          <a:prstGeom prst="rect">
+            <a:avLst/>
+          </a:prstGeom>
+        </p:spPr>
+      </p:pic>
     </p:spTree>
+    <p:extLst>
+      <p:ext uri="{BB962C8B-B14F-4D97-AF65-F5344CB8AC3E}">
+        <p14:creationId xmlns:p14="http://schemas.microsoft.com/office/powerpoint/2010/main" val="305771662"/>
+      </p:ext>
+    </p:extLst>
   </p:cSld>
   <p:clrMapOvr>
     <a:masterClrMapping/>
@@ -11176,7 +11198,7 @@
             </a:pPr>
             <a:fld id="{475F2974-A565-48EB-BE06-0BED6BD5DC9C}" type="datetime1">
               <a:rPr lang="zh-CN" altLang="en-US" smtClean="0"/>
-              <a:t>2021/8/15</a:t>
+              <a:t>2021/8/21</a:t>
             </a:fld>
             <a:endParaRPr lang="en-US" altLang="zh-CN" dirty="0"/>
           </a:p>
@@ -11665,6 +11687,263 @@
 </p:sld>
 </file>
 
+<file path=ppt/slides/slide20.xml><?xml version="1.0" encoding="utf-8"?>
+<p:sld xmlns:a="http://schemas.openxmlformats.org/drawingml/2006/main" xmlns:r="http://schemas.openxmlformats.org/officeDocument/2006/relationships" xmlns:p="http://schemas.openxmlformats.org/presentationml/2006/main">
+  <p:cSld>
+    <p:spTree>
+      <p:nvGrpSpPr>
+        <p:cNvPr id="1" name=""/>
+        <p:cNvGrpSpPr/>
+        <p:nvPr/>
+      </p:nvGrpSpPr>
+      <p:grpSpPr>
+        <a:xfrm>
+          <a:off x="0" y="0"/>
+          <a:ext cx="0" cy="0"/>
+          <a:chOff x="0" y="0"/>
+          <a:chExt cx="0" cy="0"/>
+        </a:xfrm>
+      </p:grpSpPr>
+      <p:sp>
+        <p:nvSpPr>
+          <p:cNvPr id="2" name="日期占位符 1"/>
+          <p:cNvSpPr>
+            <a:spLocks noGrp="1"/>
+          </p:cNvSpPr>
+          <p:nvPr>
+            <p:ph type="dt" sz="half" idx="10"/>
+          </p:nvPr>
+        </p:nvSpPr>
+        <p:spPr/>
+        <p:txBody>
+          <a:bodyPr/>
+          <a:lstStyle/>
+          <a:p>
+            <a:pPr>
+              <a:defRPr/>
+            </a:pPr>
+            <a:fld id="{475F2974-A565-48EB-BE06-0BED6BD5DC9C}" type="datetime1">
+              <a:rPr lang="zh-CN" altLang="en-US" smtClean="0"/>
+              <a:t>2021/8/21</a:t>
+            </a:fld>
+            <a:endParaRPr lang="en-US" altLang="zh-CN" dirty="0"/>
+          </a:p>
+        </p:txBody>
+      </p:sp>
+      <p:sp>
+        <p:nvSpPr>
+          <p:cNvPr id="3" name="灯片编号占位符 2"/>
+          <p:cNvSpPr>
+            <a:spLocks noGrp="1"/>
+          </p:cNvSpPr>
+          <p:nvPr>
+            <p:ph type="sldNum" sz="quarter" idx="11"/>
+          </p:nvPr>
+        </p:nvSpPr>
+        <p:spPr/>
+        <p:txBody>
+          <a:bodyPr/>
+          <a:lstStyle/>
+          <a:p>
+            <a:fld id="{8A43780D-5C61-47C7-84FD-DBDC025933FC}" type="slidenum">
+              <a:rPr lang="en-US" altLang="zh-CN" smtClean="0"/>
+              <a:t>20</a:t>
+            </a:fld>
+            <a:endParaRPr lang="en-US" altLang="zh-CN"/>
+          </a:p>
+        </p:txBody>
+      </p:sp>
+      <p:sp>
+        <p:nvSpPr>
+          <p:cNvPr id="4" name="Rectangle 4"/>
+          <p:cNvSpPr>
+            <a:spLocks noChangeArrowheads="1"/>
+          </p:cNvSpPr>
+          <p:nvPr/>
+        </p:nvSpPr>
+        <p:spPr bwMode="auto">
+          <a:xfrm>
+            <a:off x="3949519" y="3033479"/>
+            <a:ext cx="4549775" cy="711200"/>
+          </a:xfrm>
+          <a:prstGeom prst="rect">
+            <a:avLst/>
+          </a:prstGeom>
+          <a:noFill/>
+          <a:ln>
+            <a:noFill/>
+          </a:ln>
+          <a:extLst>
+            <a:ext uri="{909E8E84-426E-40DD-AFC4-6F175D3DCCD1}">
+              <a14:hiddenFill xmlns:a14="http://schemas.microsoft.com/office/drawing/2010/main">
+                <a:solidFill>
+                  <a:srgbClr val="FFFFFF"/>
+                </a:solidFill>
+              </a14:hiddenFill>
+            </a:ext>
+            <a:ext uri="{91240B29-F687-4F45-9708-019B960494DF}">
+              <a14:hiddenLine xmlns:a14="http://schemas.microsoft.com/office/drawing/2010/main" w="9525">
+                <a:solidFill>
+                  <a:srgbClr val="000000"/>
+                </a:solidFill>
+                <a:miter lim="800000"/>
+                <a:headEnd/>
+                <a:tailEnd/>
+              </a14:hiddenLine>
+            </a:ext>
+          </a:extLst>
+        </p:spPr>
+        <p:txBody>
+          <a:bodyPr/>
+          <a:lstStyle>
+            <a:lvl1pPr marL="469900" indent="-469900" eaLnBrk="0" hangingPunct="0">
+              <a:defRPr sz="4800" b="1">
+                <a:solidFill>
+                  <a:schemeClr val="tx2"/>
+                </a:solidFill>
+                <a:latin typeface="Verdana" panose="020B0604030504040204" pitchFamily="34" charset="0"/>
+                <a:ea typeface="方正隶书简体" pitchFamily="65" charset="-122"/>
+              </a:defRPr>
+            </a:lvl1pPr>
+            <a:lvl2pPr marL="742950" indent="-285750" eaLnBrk="0" hangingPunct="0">
+              <a:defRPr sz="4800" b="1">
+                <a:solidFill>
+                  <a:schemeClr val="tx2"/>
+                </a:solidFill>
+                <a:latin typeface="Verdana" panose="020B0604030504040204" pitchFamily="34" charset="0"/>
+                <a:ea typeface="方正隶书简体" pitchFamily="65" charset="-122"/>
+              </a:defRPr>
+            </a:lvl2pPr>
+            <a:lvl3pPr marL="1143000" indent="-228600" eaLnBrk="0" hangingPunct="0">
+              <a:defRPr sz="4800" b="1">
+                <a:solidFill>
+                  <a:schemeClr val="tx2"/>
+                </a:solidFill>
+                <a:latin typeface="Verdana" panose="020B0604030504040204" pitchFamily="34" charset="0"/>
+                <a:ea typeface="方正隶书简体" pitchFamily="65" charset="-122"/>
+              </a:defRPr>
+            </a:lvl3pPr>
+            <a:lvl4pPr marL="1600200" indent="-228600" eaLnBrk="0" hangingPunct="0">
+              <a:defRPr sz="4800" b="1">
+                <a:solidFill>
+                  <a:schemeClr val="tx2"/>
+                </a:solidFill>
+                <a:latin typeface="Verdana" panose="020B0604030504040204" pitchFamily="34" charset="0"/>
+                <a:ea typeface="方正隶书简体" pitchFamily="65" charset="-122"/>
+              </a:defRPr>
+            </a:lvl4pPr>
+            <a:lvl5pPr marL="2057400" indent="-228600" eaLnBrk="0" hangingPunct="0">
+              <a:defRPr sz="4800" b="1">
+                <a:solidFill>
+                  <a:schemeClr val="tx2"/>
+                </a:solidFill>
+                <a:latin typeface="Verdana" panose="020B0604030504040204" pitchFamily="34" charset="0"/>
+                <a:ea typeface="方正隶书简体" pitchFamily="65" charset="-122"/>
+              </a:defRPr>
+            </a:lvl5pPr>
+            <a:lvl6pPr marL="2514600" indent="-228600" algn="ctr" eaLnBrk="0" fontAlgn="base" hangingPunct="0">
+              <a:spcBef>
+                <a:spcPct val="0"/>
+              </a:spcBef>
+              <a:spcAft>
+                <a:spcPct val="0"/>
+              </a:spcAft>
+              <a:defRPr sz="4800" b="1">
+                <a:solidFill>
+                  <a:schemeClr val="tx2"/>
+                </a:solidFill>
+                <a:latin typeface="Verdana" panose="020B0604030504040204" pitchFamily="34" charset="0"/>
+                <a:ea typeface="方正隶书简体" pitchFamily="65" charset="-122"/>
+              </a:defRPr>
+            </a:lvl6pPr>
+            <a:lvl7pPr marL="2971800" indent="-228600" algn="ctr" eaLnBrk="0" fontAlgn="base" hangingPunct="0">
+              <a:spcBef>
+                <a:spcPct val="0"/>
+              </a:spcBef>
+              <a:spcAft>
+                <a:spcPct val="0"/>
+              </a:spcAft>
+              <a:defRPr sz="4800" b="1">
+                <a:solidFill>
+                  <a:schemeClr val="tx2"/>
+                </a:solidFill>
+                <a:latin typeface="Verdana" panose="020B0604030504040204" pitchFamily="34" charset="0"/>
+                <a:ea typeface="方正隶书简体" pitchFamily="65" charset="-122"/>
+              </a:defRPr>
+            </a:lvl7pPr>
+            <a:lvl8pPr marL="3429000" indent="-228600" algn="ctr" eaLnBrk="0" fontAlgn="base" hangingPunct="0">
+              <a:spcBef>
+                <a:spcPct val="0"/>
+              </a:spcBef>
+              <a:spcAft>
+                <a:spcPct val="0"/>
+              </a:spcAft>
+              <a:defRPr sz="4800" b="1">
+                <a:solidFill>
+                  <a:schemeClr val="tx2"/>
+                </a:solidFill>
+                <a:latin typeface="Verdana" panose="020B0604030504040204" pitchFamily="34" charset="0"/>
+                <a:ea typeface="方正隶书简体" pitchFamily="65" charset="-122"/>
+              </a:defRPr>
+            </a:lvl8pPr>
+            <a:lvl9pPr marL="3886200" indent="-228600" algn="ctr" eaLnBrk="0" fontAlgn="base" hangingPunct="0">
+              <a:spcBef>
+                <a:spcPct val="0"/>
+              </a:spcBef>
+              <a:spcAft>
+                <a:spcPct val="0"/>
+              </a:spcAft>
+              <a:defRPr sz="4800" b="1">
+                <a:solidFill>
+                  <a:schemeClr val="tx2"/>
+                </a:solidFill>
+                <a:latin typeface="Verdana" panose="020B0604030504040204" pitchFamily="34" charset="0"/>
+                <a:ea typeface="方正隶书简体" pitchFamily="65" charset="-122"/>
+              </a:defRPr>
+            </a:lvl9pPr>
+          </a:lstStyle>
+          <a:p>
+            <a:pPr algn="ctr" eaLnBrk="1" hangingPunct="1">
+              <a:lnSpc>
+                <a:spcPct val="90000"/>
+              </a:lnSpc>
+              <a:spcBef>
+                <a:spcPct val="20000"/>
+              </a:spcBef>
+              <a:buClr>
+                <a:schemeClr val="hlink"/>
+              </a:buClr>
+              <a:buFont typeface="Wingdings" panose="05000000000000000000" pitchFamily="2" charset="2"/>
+              <a:buNone/>
+            </a:pPr>
+            <a:r>
+              <a:rPr lang="zh-CN" altLang="en-US" sz="4000" dirty="0">
+                <a:solidFill>
+                  <a:schemeClr val="tx1"/>
+                </a:solidFill>
+                <a:latin typeface="华文楷体" panose="02010600040101010101" pitchFamily="2" charset="-122"/>
+                <a:ea typeface="华文楷体" panose="02010600040101010101" pitchFamily="2" charset="-122"/>
+              </a:rPr>
+              <a:t>本章结束</a:t>
+            </a:r>
+            <a:endParaRPr lang="en-US" altLang="zh-CN" sz="2800" dirty="0">
+              <a:solidFill>
+                <a:schemeClr val="tx1"/>
+              </a:solidFill>
+              <a:latin typeface="华文楷体" panose="02010600040101010101" pitchFamily="2" charset="-122"/>
+              <a:ea typeface="华文楷体" panose="02010600040101010101" pitchFamily="2" charset="-122"/>
+            </a:endParaRPr>
+          </a:p>
+        </p:txBody>
+      </p:sp>
+    </p:spTree>
+  </p:cSld>
+  <p:clrMapOvr>
+    <a:masterClrMapping/>
+  </p:clrMapOvr>
+</p:sld>
+</file>
+
 <file path=ppt/slides/slide3.xml><?xml version="1.0" encoding="utf-8"?>
 <p:sld xmlns:a="http://schemas.openxmlformats.org/drawingml/2006/main" xmlns:r="http://schemas.openxmlformats.org/officeDocument/2006/relationships" xmlns:p="http://schemas.openxmlformats.org/presentationml/2006/main">
   <p:cSld>
@@ -11708,7 +11987,7 @@
             </a:pPr>
             <a:fld id="{475F2974-A565-48EB-BE06-0BED6BD5DC9C}" type="datetime1">
               <a:rPr lang="zh-CN" altLang="en-US" smtClean="0"/>
-              <a:t>2021/8/15</a:t>
+              <a:t>2021/8/21</a:t>
             </a:fld>
             <a:endParaRPr lang="en-US" altLang="zh-CN" dirty="0"/>
           </a:p>
@@ -12294,7 +12573,7 @@
             </a:pPr>
             <a:fld id="{475F2974-A565-48EB-BE06-0BED6BD5DC9C}" type="datetime1">
               <a:rPr lang="zh-CN" altLang="en-US" smtClean="0"/>
-              <a:t>2021/8/15</a:t>
+              <a:t>2021/8/21</a:t>
             </a:fld>
             <a:endParaRPr lang="en-US" altLang="zh-CN" dirty="0"/>
           </a:p>
@@ -12466,7 +12745,7 @@
             </a:pPr>
             <a:fld id="{475F2974-A565-48EB-BE06-0BED6BD5DC9C}" type="datetime1">
               <a:rPr lang="zh-CN" altLang="en-US" smtClean="0"/>
-              <a:t>2021/8/15</a:t>
+              <a:t>2021/8/21</a:t>
             </a:fld>
             <a:endParaRPr lang="en-US" altLang="zh-CN" dirty="0"/>
           </a:p>
@@ -13301,7 +13580,7 @@
             </a:pPr>
             <a:fld id="{475F2974-A565-48EB-BE06-0BED6BD5DC9C}" type="datetime1">
               <a:rPr lang="zh-CN" altLang="en-US" smtClean="0"/>
-              <a:t>2021/8/15</a:t>
+              <a:t>2021/8/21</a:t>
             </a:fld>
             <a:endParaRPr lang="en-US" altLang="zh-CN" dirty="0"/>
           </a:p>
@@ -14154,7 +14433,7 @@
             </a:pPr>
             <a:fld id="{475F2974-A565-48EB-BE06-0BED6BD5DC9C}" type="datetime1">
               <a:rPr lang="zh-CN" altLang="en-US" smtClean="0"/>
-              <a:t>2021/8/15</a:t>
+              <a:t>2021/8/21</a:t>
             </a:fld>
             <a:endParaRPr lang="en-US" altLang="zh-CN" dirty="0"/>
           </a:p>
@@ -14608,7 +14887,7 @@
             </a:pPr>
             <a:fld id="{475F2974-A565-48EB-BE06-0BED6BD5DC9C}" type="datetime1">
               <a:rPr lang="zh-CN" altLang="en-US" smtClean="0"/>
-              <a:t>2021/8/15</a:t>
+              <a:t>2021/8/21</a:t>
             </a:fld>
             <a:endParaRPr lang="en-US" altLang="zh-CN" dirty="0"/>
           </a:p>
@@ -14721,8 +15000,8 @@
           </a:p>
         </p:txBody>
       </p:sp>
-      <mc:AlternateContent xmlns:mc="http://schemas.openxmlformats.org/markup-compatibility/2006">
-        <mc:Choice xmlns:a14="http://schemas.microsoft.com/office/drawing/2010/main" Requires="a14">
+      <mc:AlternateContent xmlns:mc="http://schemas.openxmlformats.org/markup-compatibility/2006" xmlns:a14="http://schemas.microsoft.com/office/drawing/2010/main">
+        <mc:Choice Requires="a14">
           <p:sp>
             <p:nvSpPr>
               <p:cNvPr id="7" name="TextBox 25">
@@ -15115,7 +15394,7 @@
             </p:txBody>
           </p:sp>
         </mc:Choice>
-        <mc:Fallback>
+        <mc:Fallback xmlns="">
           <p:sp>
             <p:nvSpPr>
               <p:cNvPr id="7" name="TextBox 25">
@@ -15259,8 +15538,8 @@
           </a:p>
         </p:txBody>
       </p:sp>
-      <mc:AlternateContent xmlns:mc="http://schemas.openxmlformats.org/markup-compatibility/2006">
-        <mc:Choice xmlns:a14="http://schemas.microsoft.com/office/drawing/2010/main" Requires="a14">
+      <mc:AlternateContent xmlns:mc="http://schemas.openxmlformats.org/markup-compatibility/2006" xmlns:a14="http://schemas.microsoft.com/office/drawing/2010/main">
+        <mc:Choice Requires="a14">
           <p:sp>
             <p:nvSpPr>
               <p:cNvPr id="10" name="TextBox 28">
@@ -15414,7 +15693,7 @@
             </p:txBody>
           </p:sp>
         </mc:Choice>
-        <mc:Fallback>
+        <mc:Fallback xmlns="">
           <p:sp>
             <p:nvSpPr>
               <p:cNvPr id="10" name="TextBox 28">
@@ -15459,8 +15738,8 @@
           </p:sp>
         </mc:Fallback>
       </mc:AlternateContent>
-      <mc:AlternateContent xmlns:mc="http://schemas.openxmlformats.org/markup-compatibility/2006">
-        <mc:Choice xmlns:a14="http://schemas.microsoft.com/office/drawing/2010/main" Requires="a14">
+      <mc:AlternateContent xmlns:mc="http://schemas.openxmlformats.org/markup-compatibility/2006" xmlns:a14="http://schemas.microsoft.com/office/drawing/2010/main">
+        <mc:Choice Requires="a14">
           <p:sp>
             <p:nvSpPr>
               <p:cNvPr id="11" name="TextBox 29">
@@ -15578,7 +15857,7 @@
             </p:txBody>
           </p:sp>
         </mc:Choice>
-        <mc:Fallback>
+        <mc:Fallback xmlns="">
           <p:sp>
             <p:nvSpPr>
               <p:cNvPr id="11" name="TextBox 29">
@@ -15623,8 +15902,8 @@
           </p:sp>
         </mc:Fallback>
       </mc:AlternateContent>
-      <mc:AlternateContent xmlns:mc="http://schemas.openxmlformats.org/markup-compatibility/2006">
-        <mc:Choice xmlns:a14="http://schemas.microsoft.com/office/drawing/2010/main" Requires="a14">
+      <mc:AlternateContent xmlns:mc="http://schemas.openxmlformats.org/markup-compatibility/2006" xmlns:a14="http://schemas.microsoft.com/office/drawing/2010/main">
+        <mc:Choice Requires="a14">
           <p:sp>
             <p:nvSpPr>
               <p:cNvPr id="12" name="TextBox 31">
@@ -15788,7 +16067,7 @@
             </p:txBody>
           </p:sp>
         </mc:Choice>
-        <mc:Fallback>
+        <mc:Fallback xmlns="">
           <p:sp>
             <p:nvSpPr>
               <p:cNvPr id="12" name="TextBox 31">
@@ -15833,8 +16112,8 @@
           </p:sp>
         </mc:Fallback>
       </mc:AlternateContent>
-      <mc:AlternateContent xmlns:mc="http://schemas.openxmlformats.org/markup-compatibility/2006">
-        <mc:Choice xmlns:a14="http://schemas.microsoft.com/office/drawing/2010/main" Requires="a14">
+      <mc:AlternateContent xmlns:mc="http://schemas.openxmlformats.org/markup-compatibility/2006" xmlns:a14="http://schemas.microsoft.com/office/drawing/2010/main">
+        <mc:Choice Requires="a14">
           <p:sp>
             <p:nvSpPr>
               <p:cNvPr id="13" name="文本框 12">
@@ -15863,6 +16142,7 @@
               </a:bodyPr>
               <a:lstStyle/>
               <a:p>
+                <a:pPr/>
                 <a14:m>
                   <m:oMathPara xmlns:m="http://schemas.openxmlformats.org/officeDocument/2006/math">
                     <m:oMathParaPr>
@@ -15902,7 +16182,7 @@
             </p:txBody>
           </p:sp>
         </mc:Choice>
-        <mc:Fallback>
+        <mc:Fallback xmlns="">
           <p:sp>
             <p:nvSpPr>
               <p:cNvPr id="13" name="文本框 12">
@@ -16183,7 +16463,7 @@
             </a:pPr>
             <a:fld id="{475F2974-A565-48EB-BE06-0BED6BD5DC9C}" type="datetime1">
               <a:rPr lang="zh-CN" altLang="en-US" smtClean="0"/>
-              <a:t>2021/8/15</a:t>
+              <a:t>2021/8/21</a:t>
             </a:fld>
             <a:endParaRPr lang="en-US" altLang="zh-CN" dirty="0"/>
           </a:p>
